--- a/테트리스 네트웍/doc/images.pptx
+++ b/테트리스 네트웍/doc/images.pptx
@@ -260,7 +260,7 @@
           <a:p>
             <a:fld id="{60DE5CBB-2EB4-4B21-8BF4-63A8E0A2AC0F}" type="datetimeFigureOut">
               <a:rPr lang="ko-KR" altLang="en-US" smtClean="0"/>
-              <a:t>2024-09-03</a:t>
+              <a:t>2024-09-04</a:t>
             </a:fld>
             <a:endParaRPr lang="ko-KR" altLang="en-US"/>
           </a:p>
@@ -458,7 +458,7 @@
           <a:p>
             <a:fld id="{60DE5CBB-2EB4-4B21-8BF4-63A8E0A2AC0F}" type="datetimeFigureOut">
               <a:rPr lang="ko-KR" altLang="en-US" smtClean="0"/>
-              <a:t>2024-09-03</a:t>
+              <a:t>2024-09-04</a:t>
             </a:fld>
             <a:endParaRPr lang="ko-KR" altLang="en-US"/>
           </a:p>
@@ -666,7 +666,7 @@
           <a:p>
             <a:fld id="{60DE5CBB-2EB4-4B21-8BF4-63A8E0A2AC0F}" type="datetimeFigureOut">
               <a:rPr lang="ko-KR" altLang="en-US" smtClean="0"/>
-              <a:t>2024-09-03</a:t>
+              <a:t>2024-09-04</a:t>
             </a:fld>
             <a:endParaRPr lang="ko-KR" altLang="en-US"/>
           </a:p>
@@ -864,7 +864,7 @@
           <a:p>
             <a:fld id="{60DE5CBB-2EB4-4B21-8BF4-63A8E0A2AC0F}" type="datetimeFigureOut">
               <a:rPr lang="ko-KR" altLang="en-US" smtClean="0"/>
-              <a:t>2024-09-03</a:t>
+              <a:t>2024-09-04</a:t>
             </a:fld>
             <a:endParaRPr lang="ko-KR" altLang="en-US"/>
           </a:p>
@@ -1139,7 +1139,7 @@
           <a:p>
             <a:fld id="{60DE5CBB-2EB4-4B21-8BF4-63A8E0A2AC0F}" type="datetimeFigureOut">
               <a:rPr lang="ko-KR" altLang="en-US" smtClean="0"/>
-              <a:t>2024-09-03</a:t>
+              <a:t>2024-09-04</a:t>
             </a:fld>
             <a:endParaRPr lang="ko-KR" altLang="en-US"/>
           </a:p>
@@ -1404,7 +1404,7 @@
           <a:p>
             <a:fld id="{60DE5CBB-2EB4-4B21-8BF4-63A8E0A2AC0F}" type="datetimeFigureOut">
               <a:rPr lang="ko-KR" altLang="en-US" smtClean="0"/>
-              <a:t>2024-09-03</a:t>
+              <a:t>2024-09-04</a:t>
             </a:fld>
             <a:endParaRPr lang="ko-KR" altLang="en-US"/>
           </a:p>
@@ -1816,7 +1816,7 @@
           <a:p>
             <a:fld id="{60DE5CBB-2EB4-4B21-8BF4-63A8E0A2AC0F}" type="datetimeFigureOut">
               <a:rPr lang="ko-KR" altLang="en-US" smtClean="0"/>
-              <a:t>2024-09-03</a:t>
+              <a:t>2024-09-04</a:t>
             </a:fld>
             <a:endParaRPr lang="ko-KR" altLang="en-US"/>
           </a:p>
@@ -1957,7 +1957,7 @@
           <a:p>
             <a:fld id="{60DE5CBB-2EB4-4B21-8BF4-63A8E0A2AC0F}" type="datetimeFigureOut">
               <a:rPr lang="ko-KR" altLang="en-US" smtClean="0"/>
-              <a:t>2024-09-03</a:t>
+              <a:t>2024-09-04</a:t>
             </a:fld>
             <a:endParaRPr lang="ko-KR" altLang="en-US"/>
           </a:p>
@@ -2070,7 +2070,7 @@
           <a:p>
             <a:fld id="{60DE5CBB-2EB4-4B21-8BF4-63A8E0A2AC0F}" type="datetimeFigureOut">
               <a:rPr lang="ko-KR" altLang="en-US" smtClean="0"/>
-              <a:t>2024-09-03</a:t>
+              <a:t>2024-09-04</a:t>
             </a:fld>
             <a:endParaRPr lang="ko-KR" altLang="en-US"/>
           </a:p>
@@ -2381,7 +2381,7 @@
           <a:p>
             <a:fld id="{60DE5CBB-2EB4-4B21-8BF4-63A8E0A2AC0F}" type="datetimeFigureOut">
               <a:rPr lang="ko-KR" altLang="en-US" smtClean="0"/>
-              <a:t>2024-09-03</a:t>
+              <a:t>2024-09-04</a:t>
             </a:fld>
             <a:endParaRPr lang="ko-KR" altLang="en-US"/>
           </a:p>
@@ -2669,7 +2669,7 @@
           <a:p>
             <a:fld id="{60DE5CBB-2EB4-4B21-8BF4-63A8E0A2AC0F}" type="datetimeFigureOut">
               <a:rPr lang="ko-KR" altLang="en-US" smtClean="0"/>
-              <a:t>2024-09-03</a:t>
+              <a:t>2024-09-04</a:t>
             </a:fld>
             <a:endParaRPr lang="ko-KR" altLang="en-US"/>
           </a:p>
@@ -2910,7 +2910,7 @@
           <a:p>
             <a:fld id="{60DE5CBB-2EB4-4B21-8BF4-63A8E0A2AC0F}" type="datetimeFigureOut">
               <a:rPr lang="ko-KR" altLang="en-US" smtClean="0"/>
-              <a:t>2024-09-03</a:t>
+              <a:t>2024-09-04</a:t>
             </a:fld>
             <a:endParaRPr lang="ko-KR" altLang="en-US"/>
           </a:p>
@@ -4575,6 +4575,100 @@
           </a:p>
         </p:txBody>
       </p:sp>
+      <p:sp>
+        <p:nvSpPr>
+          <p:cNvPr id="21" name="사각형: 둥근 모서리 20">
+            <a:extLst>
+              <a:ext uri="{FF2B5EF4-FFF2-40B4-BE49-F238E27FC236}">
+                <a16:creationId xmlns:a16="http://schemas.microsoft.com/office/drawing/2014/main" id="{B2C1D0EE-AA93-43BA-8937-ACFD8F0E8616}"/>
+              </a:ext>
+            </a:extLst>
+          </p:cNvPr>
+          <p:cNvSpPr/>
+          <p:nvPr/>
+        </p:nvSpPr>
+        <p:spPr>
+          <a:xfrm>
+            <a:off x="2581057" y="4739640"/>
+            <a:ext cx="914400" cy="914400"/>
+          </a:xfrm>
+          <a:prstGeom prst="roundRect">
+            <a:avLst/>
+          </a:prstGeom>
+          <a:solidFill>
+            <a:schemeClr val="bg1">
+              <a:lumMod val="95000"/>
+            </a:schemeClr>
+          </a:solidFill>
+          <a:scene3d>
+            <a:camera prst="orthographicFront"/>
+            <a:lightRig rig="threePt" dir="t"/>
+          </a:scene3d>
+          <a:sp3d>
+            <a:bevelT/>
+          </a:sp3d>
+        </p:spPr>
+        <p:style>
+          <a:lnRef idx="2">
+            <a:schemeClr val="accent1">
+              <a:shade val="50000"/>
+            </a:schemeClr>
+          </a:lnRef>
+          <a:fillRef idx="1">
+            <a:schemeClr val="accent1"/>
+          </a:fillRef>
+          <a:effectRef idx="0">
+            <a:schemeClr val="accent1"/>
+          </a:effectRef>
+          <a:fontRef idx="minor">
+            <a:schemeClr val="lt1"/>
+          </a:fontRef>
+        </p:style>
+        <p:txBody>
+          <a:bodyPr rtlCol="0" anchor="ctr"/>
+          <a:lstStyle/>
+          <a:p>
+            <a:pPr algn="ctr"/>
+            <a:endParaRPr lang="ko-KR" altLang="en-US" b="1"/>
+          </a:p>
+        </p:txBody>
+      </p:sp>
+      <p:sp>
+        <p:nvSpPr>
+          <p:cNvPr id="22" name="TextBox 21">
+            <a:extLst>
+              <a:ext uri="{FF2B5EF4-FFF2-40B4-BE49-F238E27FC236}">
+                <a16:creationId xmlns:a16="http://schemas.microsoft.com/office/drawing/2014/main" id="{B2210685-33E5-4BD5-A7D0-7CE5324DE401}"/>
+              </a:ext>
+            </a:extLst>
+          </p:cNvPr>
+          <p:cNvSpPr txBox="1"/>
+          <p:nvPr/>
+        </p:nvSpPr>
+        <p:spPr>
+          <a:xfrm>
+            <a:off x="2766387" y="4781341"/>
+            <a:ext cx="543739" cy="830997"/>
+          </a:xfrm>
+          <a:prstGeom prst="rect">
+            <a:avLst/>
+          </a:prstGeom>
+          <a:noFill/>
+        </p:spPr>
+        <p:txBody>
+          <a:bodyPr wrap="square" rtlCol="0">
+            <a:spAutoFit/>
+          </a:bodyPr>
+          <a:lstStyle/>
+          <a:p>
+            <a:r>
+              <a:rPr lang="en-US" altLang="ko-KR" sz="4800" b="1"/>
+              <a:t>2</a:t>
+            </a:r>
+            <a:endParaRPr lang="ko-KR" altLang="en-US" sz="4800" b="1"/>
+          </a:p>
+        </p:txBody>
+      </p:sp>
     </p:spTree>
     <p:extLst>
       <p:ext uri="{BB962C8B-B14F-4D97-AF65-F5344CB8AC3E}">

--- a/테트리스 네트웍/doc/images.pptx
+++ b/테트리스 네트웍/doc/images.pptx
@@ -260,7 +260,7 @@
           <a:p>
             <a:fld id="{60DE5CBB-2EB4-4B21-8BF4-63A8E0A2AC0F}" type="datetimeFigureOut">
               <a:rPr lang="ko-KR" altLang="en-US" smtClean="0"/>
-              <a:t>2024-09-04</a:t>
+              <a:t>2024-09-20</a:t>
             </a:fld>
             <a:endParaRPr lang="ko-KR" altLang="en-US"/>
           </a:p>
@@ -458,7 +458,7 @@
           <a:p>
             <a:fld id="{60DE5CBB-2EB4-4B21-8BF4-63A8E0A2AC0F}" type="datetimeFigureOut">
               <a:rPr lang="ko-KR" altLang="en-US" smtClean="0"/>
-              <a:t>2024-09-04</a:t>
+              <a:t>2024-09-20</a:t>
             </a:fld>
             <a:endParaRPr lang="ko-KR" altLang="en-US"/>
           </a:p>
@@ -666,7 +666,7 @@
           <a:p>
             <a:fld id="{60DE5CBB-2EB4-4B21-8BF4-63A8E0A2AC0F}" type="datetimeFigureOut">
               <a:rPr lang="ko-KR" altLang="en-US" smtClean="0"/>
-              <a:t>2024-09-04</a:t>
+              <a:t>2024-09-20</a:t>
             </a:fld>
             <a:endParaRPr lang="ko-KR" altLang="en-US"/>
           </a:p>
@@ -864,7 +864,7 @@
           <a:p>
             <a:fld id="{60DE5CBB-2EB4-4B21-8BF4-63A8E0A2AC0F}" type="datetimeFigureOut">
               <a:rPr lang="ko-KR" altLang="en-US" smtClean="0"/>
-              <a:t>2024-09-04</a:t>
+              <a:t>2024-09-20</a:t>
             </a:fld>
             <a:endParaRPr lang="ko-KR" altLang="en-US"/>
           </a:p>
@@ -1139,7 +1139,7 @@
           <a:p>
             <a:fld id="{60DE5CBB-2EB4-4B21-8BF4-63A8E0A2AC0F}" type="datetimeFigureOut">
               <a:rPr lang="ko-KR" altLang="en-US" smtClean="0"/>
-              <a:t>2024-09-04</a:t>
+              <a:t>2024-09-20</a:t>
             </a:fld>
             <a:endParaRPr lang="ko-KR" altLang="en-US"/>
           </a:p>
@@ -1404,7 +1404,7 @@
           <a:p>
             <a:fld id="{60DE5CBB-2EB4-4B21-8BF4-63A8E0A2AC0F}" type="datetimeFigureOut">
               <a:rPr lang="ko-KR" altLang="en-US" smtClean="0"/>
-              <a:t>2024-09-04</a:t>
+              <a:t>2024-09-20</a:t>
             </a:fld>
             <a:endParaRPr lang="ko-KR" altLang="en-US"/>
           </a:p>
@@ -1816,7 +1816,7 @@
           <a:p>
             <a:fld id="{60DE5CBB-2EB4-4B21-8BF4-63A8E0A2AC0F}" type="datetimeFigureOut">
               <a:rPr lang="ko-KR" altLang="en-US" smtClean="0"/>
-              <a:t>2024-09-04</a:t>
+              <a:t>2024-09-20</a:t>
             </a:fld>
             <a:endParaRPr lang="ko-KR" altLang="en-US"/>
           </a:p>
@@ -1957,7 +1957,7 @@
           <a:p>
             <a:fld id="{60DE5CBB-2EB4-4B21-8BF4-63A8E0A2AC0F}" type="datetimeFigureOut">
               <a:rPr lang="ko-KR" altLang="en-US" smtClean="0"/>
-              <a:t>2024-09-04</a:t>
+              <a:t>2024-09-20</a:t>
             </a:fld>
             <a:endParaRPr lang="ko-KR" altLang="en-US"/>
           </a:p>
@@ -2070,7 +2070,7 @@
           <a:p>
             <a:fld id="{60DE5CBB-2EB4-4B21-8BF4-63A8E0A2AC0F}" type="datetimeFigureOut">
               <a:rPr lang="ko-KR" altLang="en-US" smtClean="0"/>
-              <a:t>2024-09-04</a:t>
+              <a:t>2024-09-20</a:t>
             </a:fld>
             <a:endParaRPr lang="ko-KR" altLang="en-US"/>
           </a:p>
@@ -2381,7 +2381,7 @@
           <a:p>
             <a:fld id="{60DE5CBB-2EB4-4B21-8BF4-63A8E0A2AC0F}" type="datetimeFigureOut">
               <a:rPr lang="ko-KR" altLang="en-US" smtClean="0"/>
-              <a:t>2024-09-04</a:t>
+              <a:t>2024-09-20</a:t>
             </a:fld>
             <a:endParaRPr lang="ko-KR" altLang="en-US"/>
           </a:p>
@@ -2669,7 +2669,7 @@
           <a:p>
             <a:fld id="{60DE5CBB-2EB4-4B21-8BF4-63A8E0A2AC0F}" type="datetimeFigureOut">
               <a:rPr lang="ko-KR" altLang="en-US" smtClean="0"/>
-              <a:t>2024-09-04</a:t>
+              <a:t>2024-09-20</a:t>
             </a:fld>
             <a:endParaRPr lang="ko-KR" altLang="en-US"/>
           </a:p>
@@ -2910,7 +2910,7 @@
           <a:p>
             <a:fld id="{60DE5CBB-2EB4-4B21-8BF4-63A8E0A2AC0F}" type="datetimeFigureOut">
               <a:rPr lang="ko-KR" altLang="en-US" smtClean="0"/>
-              <a:t>2024-09-04</a:t>
+              <a:t>2024-09-20</a:t>
             </a:fld>
             <a:endParaRPr lang="ko-KR" altLang="en-US"/>
           </a:p>
@@ -4669,6 +4669,100 @@
           </a:p>
         </p:txBody>
       </p:sp>
+      <p:sp>
+        <p:nvSpPr>
+          <p:cNvPr id="23" name="사각형: 둥근 모서리 22">
+            <a:extLst>
+              <a:ext uri="{FF2B5EF4-FFF2-40B4-BE49-F238E27FC236}">
+                <a16:creationId xmlns:a16="http://schemas.microsoft.com/office/drawing/2014/main" id="{B21A9E3B-03DB-4609-A1FC-61330C3166E9}"/>
+              </a:ext>
+            </a:extLst>
+          </p:cNvPr>
+          <p:cNvSpPr/>
+          <p:nvPr/>
+        </p:nvSpPr>
+        <p:spPr>
+          <a:xfrm>
+            <a:off x="1029625" y="4697937"/>
+            <a:ext cx="914400" cy="914400"/>
+          </a:xfrm>
+          <a:prstGeom prst="roundRect">
+            <a:avLst/>
+          </a:prstGeom>
+          <a:solidFill>
+            <a:schemeClr val="bg1">
+              <a:lumMod val="95000"/>
+            </a:schemeClr>
+          </a:solidFill>
+          <a:scene3d>
+            <a:camera prst="orthographicFront"/>
+            <a:lightRig rig="threePt" dir="t"/>
+          </a:scene3d>
+          <a:sp3d>
+            <a:bevelT/>
+          </a:sp3d>
+        </p:spPr>
+        <p:style>
+          <a:lnRef idx="2">
+            <a:schemeClr val="accent1">
+              <a:shade val="50000"/>
+            </a:schemeClr>
+          </a:lnRef>
+          <a:fillRef idx="1">
+            <a:schemeClr val="accent1"/>
+          </a:fillRef>
+          <a:effectRef idx="0">
+            <a:schemeClr val="accent1"/>
+          </a:effectRef>
+          <a:fontRef idx="minor">
+            <a:schemeClr val="lt1"/>
+          </a:fontRef>
+        </p:style>
+        <p:txBody>
+          <a:bodyPr rtlCol="0" anchor="ctr"/>
+          <a:lstStyle/>
+          <a:p>
+            <a:pPr algn="ctr"/>
+            <a:endParaRPr lang="ko-KR" altLang="en-US" b="1"/>
+          </a:p>
+        </p:txBody>
+      </p:sp>
+      <p:sp>
+        <p:nvSpPr>
+          <p:cNvPr id="24" name="TextBox 23">
+            <a:extLst>
+              <a:ext uri="{FF2B5EF4-FFF2-40B4-BE49-F238E27FC236}">
+                <a16:creationId xmlns:a16="http://schemas.microsoft.com/office/drawing/2014/main" id="{E3650C7C-B0EC-4FDD-8A65-ECC31EFE8833}"/>
+              </a:ext>
+            </a:extLst>
+          </p:cNvPr>
+          <p:cNvSpPr txBox="1"/>
+          <p:nvPr/>
+        </p:nvSpPr>
+        <p:spPr>
+          <a:xfrm>
+            <a:off x="1214955" y="4739638"/>
+            <a:ext cx="543739" cy="830997"/>
+          </a:xfrm>
+          <a:prstGeom prst="rect">
+            <a:avLst/>
+          </a:prstGeom>
+          <a:noFill/>
+        </p:spPr>
+        <p:txBody>
+          <a:bodyPr wrap="square" rtlCol="0">
+            <a:spAutoFit/>
+          </a:bodyPr>
+          <a:lstStyle/>
+          <a:p>
+            <a:r>
+              <a:rPr lang="en-US" altLang="ko-KR" sz="4800" b="1"/>
+              <a:t>3</a:t>
+            </a:r>
+            <a:endParaRPr lang="ko-KR" altLang="en-US" sz="4800" b="1"/>
+          </a:p>
+        </p:txBody>
+      </p:sp>
     </p:spTree>
     <p:extLst>
       <p:ext uri="{BB962C8B-B14F-4D97-AF65-F5344CB8AC3E}">
